--- a/study/rocketmq对netty的封装总结.pptx
+++ b/study/rocketmq对netty的封装总结.pptx
@@ -12,6 +12,7 @@
     <p:sldId id="260" r:id="rId6"/>
     <p:sldId id="261" r:id="rId7"/>
     <p:sldId id="262" r:id="rId8"/>
+    <p:sldId id="263" r:id="rId9"/>
   </p:sldIdLst>
   <p:sldSz cx="9144000" cy="6858000" type="screen4x3"/>
   <p:notesSz cx="6858000" cy="9144000"/>
@@ -294,7 +295,7 @@
           <a:p>
             <a:fld id="{530820CF-B880-4189-942D-D702A7CBA730}" type="datetimeFigureOut">
               <a:rPr lang="zh-CN" altLang="en-US" smtClean="0"/>
-              <a:t>2018/6/5</a:t>
+              <a:t>2018/6/7</a:t>
             </a:fld>
             <a:endParaRPr lang="zh-CN" altLang="en-US"/>
           </a:p>
@@ -459,7 +460,7 @@
           <a:p>
             <a:fld id="{530820CF-B880-4189-942D-D702A7CBA730}" type="datetimeFigureOut">
               <a:rPr lang="zh-CN" altLang="en-US" smtClean="0"/>
-              <a:t>2018/6/5</a:t>
+              <a:t>2018/6/7</a:t>
             </a:fld>
             <a:endParaRPr lang="zh-CN" altLang="en-US"/>
           </a:p>
@@ -634,7 +635,7 @@
           <a:p>
             <a:fld id="{530820CF-B880-4189-942D-D702A7CBA730}" type="datetimeFigureOut">
               <a:rPr lang="zh-CN" altLang="en-US" smtClean="0"/>
-              <a:t>2018/6/5</a:t>
+              <a:t>2018/6/7</a:t>
             </a:fld>
             <a:endParaRPr lang="zh-CN" altLang="en-US"/>
           </a:p>
@@ -799,7 +800,7 @@
           <a:p>
             <a:fld id="{530820CF-B880-4189-942D-D702A7CBA730}" type="datetimeFigureOut">
               <a:rPr lang="zh-CN" altLang="en-US" smtClean="0"/>
-              <a:t>2018/6/5</a:t>
+              <a:t>2018/6/7</a:t>
             </a:fld>
             <a:endParaRPr lang="zh-CN" altLang="en-US"/>
           </a:p>
@@ -1040,7 +1041,7 @@
           <a:p>
             <a:fld id="{530820CF-B880-4189-942D-D702A7CBA730}" type="datetimeFigureOut">
               <a:rPr lang="zh-CN" altLang="en-US" smtClean="0"/>
-              <a:t>2018/6/5</a:t>
+              <a:t>2018/6/7</a:t>
             </a:fld>
             <a:endParaRPr lang="zh-CN" altLang="en-US"/>
           </a:p>
@@ -1323,7 +1324,7 @@
           <a:p>
             <a:fld id="{530820CF-B880-4189-942D-D702A7CBA730}" type="datetimeFigureOut">
               <a:rPr lang="zh-CN" altLang="en-US" smtClean="0"/>
-              <a:t>2018/6/5</a:t>
+              <a:t>2018/6/7</a:t>
             </a:fld>
             <a:endParaRPr lang="zh-CN" altLang="en-US"/>
           </a:p>
@@ -1740,7 +1741,7 @@
           <a:p>
             <a:fld id="{530820CF-B880-4189-942D-D702A7CBA730}" type="datetimeFigureOut">
               <a:rPr lang="zh-CN" altLang="en-US" smtClean="0"/>
-              <a:t>2018/6/5</a:t>
+              <a:t>2018/6/7</a:t>
             </a:fld>
             <a:endParaRPr lang="zh-CN" altLang="en-US"/>
           </a:p>
@@ -1853,7 +1854,7 @@
           <a:p>
             <a:fld id="{530820CF-B880-4189-942D-D702A7CBA730}" type="datetimeFigureOut">
               <a:rPr lang="zh-CN" altLang="en-US" smtClean="0"/>
-              <a:t>2018/6/5</a:t>
+              <a:t>2018/6/7</a:t>
             </a:fld>
             <a:endParaRPr lang="zh-CN" altLang="en-US"/>
           </a:p>
@@ -1943,7 +1944,7 @@
           <a:p>
             <a:fld id="{530820CF-B880-4189-942D-D702A7CBA730}" type="datetimeFigureOut">
               <a:rPr lang="zh-CN" altLang="en-US" smtClean="0"/>
-              <a:t>2018/6/5</a:t>
+              <a:t>2018/6/7</a:t>
             </a:fld>
             <a:endParaRPr lang="zh-CN" altLang="en-US"/>
           </a:p>
@@ -2215,7 +2216,7 @@
           <a:p>
             <a:fld id="{530820CF-B880-4189-942D-D702A7CBA730}" type="datetimeFigureOut">
               <a:rPr lang="zh-CN" altLang="en-US" smtClean="0"/>
-              <a:t>2018/6/5</a:t>
+              <a:t>2018/6/7</a:t>
             </a:fld>
             <a:endParaRPr lang="zh-CN" altLang="en-US"/>
           </a:p>
@@ -2463,7 +2464,7 @@
           <a:p>
             <a:fld id="{530820CF-B880-4189-942D-D702A7CBA730}" type="datetimeFigureOut">
               <a:rPr lang="zh-CN" altLang="en-US" smtClean="0"/>
-              <a:t>2018/6/5</a:t>
+              <a:t>2018/6/7</a:t>
             </a:fld>
             <a:endParaRPr lang="zh-CN" altLang="en-US"/>
           </a:p>
@@ -2671,7 +2672,7 @@
           <a:p>
             <a:fld id="{530820CF-B880-4189-942D-D702A7CBA730}" type="datetimeFigureOut">
               <a:rPr lang="zh-CN" altLang="en-US" smtClean="0"/>
-              <a:t>2018/6/5</a:t>
+              <a:t>2018/6/7</a:t>
             </a:fld>
             <a:endParaRPr lang="zh-CN" altLang="en-US"/>
           </a:p>
@@ -3917,6 +3918,114 @@
     <p:extLst>
       <p:ext uri="{BB962C8B-B14F-4D97-AF65-F5344CB8AC3E}">
         <p14:creationId xmlns:p14="http://schemas.microsoft.com/office/powerpoint/2010/main" val="2220291615"/>
+      </p:ext>
+    </p:extLst>
+  </p:cSld>
+  <p:clrMapOvr>
+    <a:masterClrMapping/>
+  </p:clrMapOvr>
+</p:sld>
+</file>
+
+<file path=ppt/slides/slide8.xml><?xml version="1.0" encoding="utf-8"?>
+<p:sld xmlns:a="http://schemas.openxmlformats.org/drawingml/2006/main" xmlns:r="http://schemas.openxmlformats.org/officeDocument/2006/relationships" xmlns:p="http://schemas.openxmlformats.org/presentationml/2006/main">
+  <p:cSld>
+    <p:spTree>
+      <p:nvGrpSpPr>
+        <p:cNvPr id="1" name=""/>
+        <p:cNvGrpSpPr/>
+        <p:nvPr/>
+      </p:nvGrpSpPr>
+      <p:grpSpPr>
+        <a:xfrm>
+          <a:off x="0" y="0"/>
+          <a:ext cx="0" cy="0"/>
+          <a:chOff x="0" y="0"/>
+          <a:chExt cx="0" cy="0"/>
+        </a:xfrm>
+      </p:grpSpPr>
+      <p:sp>
+        <p:nvSpPr>
+          <p:cNvPr id="2" name="标题 1"/>
+          <p:cNvSpPr>
+            <a:spLocks noGrp="1"/>
+          </p:cNvSpPr>
+          <p:nvPr>
+            <p:ph type="title"/>
+          </p:nvPr>
+        </p:nvSpPr>
+        <p:spPr/>
+        <p:txBody>
+          <a:bodyPr/>
+          <a:lstStyle/>
+          <a:p>
+            <a:r>
+              <a:rPr lang="zh-CN" altLang="en-US" dirty="0" smtClean="0"/>
+              <a:t>对</a:t>
+            </a:r>
+            <a:r>
+              <a:rPr lang="en-US" altLang="zh-CN" dirty="0" err="1" smtClean="0"/>
+              <a:t>FileRegion</a:t>
+            </a:r>
+            <a:r>
+              <a:rPr lang="zh-CN" altLang="en-US" dirty="0" smtClean="0"/>
+              <a:t>的封装</a:t>
+            </a:r>
+            <a:endParaRPr lang="zh-CN" altLang="en-US" dirty="0"/>
+          </a:p>
+        </p:txBody>
+      </p:sp>
+      <p:sp>
+        <p:nvSpPr>
+          <p:cNvPr id="3" name="内容占位符 2"/>
+          <p:cNvSpPr>
+            <a:spLocks noGrp="1"/>
+          </p:cNvSpPr>
+          <p:nvPr>
+            <p:ph idx="1"/>
+          </p:nvPr>
+        </p:nvSpPr>
+        <p:spPr/>
+        <p:txBody>
+          <a:bodyPr/>
+          <a:lstStyle/>
+          <a:p>
+            <a:r>
+              <a:rPr lang="en-US" altLang="zh-CN" dirty="0" err="1" smtClean="0"/>
+              <a:t>FileRegion</a:t>
+            </a:r>
+            <a:r>
+              <a:rPr lang="zh-CN" altLang="en-US" smtClean="0"/>
+              <a:t>作用是</a:t>
+            </a:r>
+            <a:r>
+              <a:rPr lang="zh-CN" altLang="en-US"/>
+              <a:t>直接</a:t>
+            </a:r>
+            <a:r>
+              <a:rPr lang="zh-CN" altLang="en-US" smtClean="0"/>
+              <a:t>调用</a:t>
+            </a:r>
+            <a:r>
+              <a:rPr lang="zh-CN" altLang="en-US" dirty="0" smtClean="0"/>
+              <a:t>操作系统的</a:t>
+            </a:r>
+            <a:r>
+              <a:rPr lang="en-US" altLang="zh-CN" dirty="0" err="1" smtClean="0"/>
+              <a:t>fsend</a:t>
+            </a:r>
+            <a:r>
+              <a:rPr lang="en-US" altLang="zh-CN" dirty="0" smtClean="0"/>
+              <a:t>()</a:t>
+            </a:r>
+            <a:endParaRPr lang="zh-CN" altLang="en-US" dirty="0"/>
+          </a:p>
+        </p:txBody>
+      </p:sp>
+    </p:spTree>
+    <p:extLst>
+      <p:ext uri="{BB962C8B-B14F-4D97-AF65-F5344CB8AC3E}">
+        <p14:creationId xmlns:p14="http://schemas.microsoft.com/office/powerpoint/2010/main" val="3136557295"/>
       </p:ext>
     </p:extLst>
   </p:cSld>
